--- a/docs/kpi docs/ПЗ/Presentation_defense.pptx
+++ b/docs/kpi docs/ПЗ/Presentation_defense.pptx
@@ -12,14 +12,15 @@
     <p:sldId id="260" r:id="rId6"/>
     <p:sldId id="261" r:id="rId7"/>
     <p:sldId id="262" r:id="rId8"/>
-    <p:sldId id="263" r:id="rId9"/>
-    <p:sldId id="264" r:id="rId10"/>
-    <p:sldId id="265" r:id="rId11"/>
-    <p:sldId id="266" r:id="rId12"/>
-    <p:sldId id="267" r:id="rId13"/>
-    <p:sldId id="268" r:id="rId14"/>
-    <p:sldId id="269" r:id="rId15"/>
-    <p:sldId id="270" r:id="rId16"/>
+    <p:sldId id="268" r:id="rId9"/>
+    <p:sldId id="263" r:id="rId10"/>
+    <p:sldId id="271" r:id="rId11"/>
+    <p:sldId id="269" r:id="rId12"/>
+    <p:sldId id="270" r:id="rId13"/>
+    <p:sldId id="264" r:id="rId14"/>
+    <p:sldId id="265" r:id="rId15"/>
+    <p:sldId id="266" r:id="rId16"/>
+    <p:sldId id="267" r:id="rId17"/>
   </p:sldIdLst>
   <p:sldSz cx="12192000" cy="6858000"/>
   <p:notesSz cx="6858000" cy="9144000"/>
@@ -3522,6 +3523,349 @@
           <a:chExt cx="0" cy="0"/>
         </a:xfrm>
       </p:grpSpPr>
+      <p:sp>
+        <p:nvSpPr>
+          <p:cNvPr id="2" name="Title 1">
+            <a:extLst>
+              <a:ext uri="{FF2B5EF4-FFF2-40B4-BE49-F238E27FC236}">
+                <a16:creationId xmlns:a16="http://schemas.microsoft.com/office/drawing/2014/main" id="{65F8C99B-A849-45EA-9974-A4FF81B40509}"/>
+              </a:ext>
+            </a:extLst>
+          </p:cNvPr>
+          <p:cNvSpPr>
+            <a:spLocks noGrp="1"/>
+          </p:cNvSpPr>
+          <p:nvPr>
+            <p:ph type="title"/>
+          </p:nvPr>
+        </p:nvSpPr>
+        <p:spPr>
+          <a:xfrm>
+            <a:off x="838200" y="2103437"/>
+            <a:ext cx="10515600" cy="1325563"/>
+          </a:xfrm>
+        </p:spPr>
+        <p:txBody>
+          <a:bodyPr>
+            <a:normAutofit/>
+          </a:bodyPr>
+          <a:lstStyle/>
+          <a:p>
+            <a:pPr algn="ctr"/>
+            <a:r>
+              <a:rPr lang="ru-RU" sz="6000" dirty="0" err="1"/>
+              <a:t>Демонстрац</a:t>
+            </a:r>
+            <a:r>
+              <a:rPr lang="uk-UA" sz="6000" dirty="0" err="1"/>
+              <a:t>ія</a:t>
+            </a:r>
+            <a:r>
+              <a:rPr lang="uk-UA" sz="6000" dirty="0"/>
+              <a:t> макету</a:t>
+            </a:r>
+            <a:endParaRPr lang="en-US" sz="6000" dirty="0"/>
+          </a:p>
+        </p:txBody>
+      </p:sp>
+    </p:spTree>
+    <p:extLst>
+      <p:ext uri="{BB962C8B-B14F-4D97-AF65-F5344CB8AC3E}">
+        <p14:creationId xmlns:p14="http://schemas.microsoft.com/office/powerpoint/2010/main" val="3456818817"/>
+      </p:ext>
+    </p:extLst>
+  </p:cSld>
+  <p:clrMapOvr>
+    <a:masterClrMapping/>
+  </p:clrMapOvr>
+</p:sld>
+</file>
+
+<file path=ppt/slides/slide11.xml><?xml version="1.0" encoding="utf-8"?>
+<p:sld xmlns:a="http://schemas.openxmlformats.org/drawingml/2006/main" xmlns:r="http://schemas.openxmlformats.org/officeDocument/2006/relationships" xmlns:p="http://schemas.openxmlformats.org/presentationml/2006/main">
+  <p:cSld>
+    <p:spTree>
+      <p:nvGrpSpPr>
+        <p:cNvPr id="1" name=""/>
+        <p:cNvGrpSpPr/>
+        <p:nvPr/>
+      </p:nvGrpSpPr>
+      <p:grpSpPr>
+        <a:xfrm>
+          <a:off x="0" y="0"/>
+          <a:ext cx="0" cy="0"/>
+          <a:chOff x="0" y="0"/>
+          <a:chExt cx="0" cy="0"/>
+        </a:xfrm>
+      </p:grpSpPr>
+      <p:sp>
+        <p:nvSpPr>
+          <p:cNvPr id="2" name="Title 1">
+            <a:extLst>
+              <a:ext uri="{FF2B5EF4-FFF2-40B4-BE49-F238E27FC236}">
+                <a16:creationId xmlns:a16="http://schemas.microsoft.com/office/drawing/2014/main" id="{2CF4A9A1-6AC7-4C91-AB74-B16716B3949C}"/>
+              </a:ext>
+            </a:extLst>
+          </p:cNvPr>
+          <p:cNvSpPr>
+            <a:spLocks noGrp="1"/>
+          </p:cNvSpPr>
+          <p:nvPr>
+            <p:ph type="title"/>
+          </p:nvPr>
+        </p:nvSpPr>
+        <p:spPr/>
+        <p:txBody>
+          <a:bodyPr/>
+          <a:lstStyle/>
+          <a:p>
+            <a:r>
+              <a:rPr lang="ru-RU" dirty="0" err="1"/>
+              <a:t>Висновки</a:t>
+            </a:r>
+            <a:endParaRPr lang="en-US" dirty="0"/>
+          </a:p>
+        </p:txBody>
+      </p:sp>
+      <p:sp>
+        <p:nvSpPr>
+          <p:cNvPr id="5" name="Content Placeholder 4">
+            <a:extLst>
+              <a:ext uri="{FF2B5EF4-FFF2-40B4-BE49-F238E27FC236}">
+                <a16:creationId xmlns:a16="http://schemas.microsoft.com/office/drawing/2014/main" id="{0D453ADD-ED5F-4A30-8B5F-A94A10A0BBC7}"/>
+              </a:ext>
+            </a:extLst>
+          </p:cNvPr>
+          <p:cNvSpPr>
+            <a:spLocks noGrp="1"/>
+          </p:cNvSpPr>
+          <p:nvPr>
+            <p:ph idx="1"/>
+          </p:nvPr>
+        </p:nvSpPr>
+        <p:spPr/>
+        <p:txBody>
+          <a:bodyPr>
+            <a:normAutofit fontScale="92500" lnSpcReduction="10000"/>
+          </a:bodyPr>
+          <a:lstStyle/>
+          <a:p>
+            <a:pPr>
+              <a:lnSpc>
+                <a:spcPct val="150000"/>
+              </a:lnSpc>
+            </a:pPr>
+            <a:r>
+              <a:rPr lang="uk-UA" dirty="0"/>
+              <a:t>Розроблено макет програмно-апаратного комплексу, що </a:t>
+            </a:r>
+            <a:r>
+              <a:rPr lang="uk-UA" dirty="0" err="1"/>
+              <a:t>релаізує</a:t>
+            </a:r>
+            <a:r>
+              <a:rPr lang="uk-UA" dirty="0"/>
+              <a:t> запропоновану модель автоматизації ведення домашнього господарства та підтверджує можливість зменшення витрат часу на складання списку покупок шляхом створення </a:t>
+            </a:r>
+            <a:r>
+              <a:rPr lang="uk-UA" dirty="0" err="1"/>
+              <a:t>монітрингу</a:t>
+            </a:r>
+            <a:r>
+              <a:rPr lang="uk-UA" dirty="0"/>
+              <a:t> товарів у реальному часі</a:t>
+            </a:r>
+          </a:p>
+          <a:p>
+            <a:pPr>
+              <a:lnSpc>
+                <a:spcPct val="150000"/>
+              </a:lnSpc>
+            </a:pPr>
+            <a:r>
+              <a:rPr lang="uk-UA" dirty="0"/>
+              <a:t>Запропоновано альтернативний метод ідентифікації – радіочастотну ідентифікацію для використання у моніторингу товарів</a:t>
+            </a:r>
+          </a:p>
+          <a:p>
+            <a:pPr marL="0" indent="0">
+              <a:buNone/>
+            </a:pPr>
+            <a:endParaRPr lang="en-US" dirty="0"/>
+          </a:p>
+        </p:txBody>
+      </p:sp>
+    </p:spTree>
+    <p:extLst>
+      <p:ext uri="{BB962C8B-B14F-4D97-AF65-F5344CB8AC3E}">
+        <p14:creationId xmlns:p14="http://schemas.microsoft.com/office/powerpoint/2010/main" val="637916248"/>
+      </p:ext>
+    </p:extLst>
+  </p:cSld>
+  <p:clrMapOvr>
+    <a:masterClrMapping/>
+  </p:clrMapOvr>
+</p:sld>
+</file>
+
+<file path=ppt/slides/slide12.xml><?xml version="1.0" encoding="utf-8"?>
+<p:sld xmlns:a="http://schemas.openxmlformats.org/drawingml/2006/main" xmlns:r="http://schemas.openxmlformats.org/officeDocument/2006/relationships" xmlns:p="http://schemas.openxmlformats.org/presentationml/2006/main">
+  <p:cSld>
+    <p:spTree>
+      <p:nvGrpSpPr>
+        <p:cNvPr id="1" name=""/>
+        <p:cNvGrpSpPr/>
+        <p:nvPr/>
+      </p:nvGrpSpPr>
+      <p:grpSpPr>
+        <a:xfrm>
+          <a:off x="0" y="0"/>
+          <a:ext cx="0" cy="0"/>
+          <a:chOff x="0" y="0"/>
+          <a:chExt cx="0" cy="0"/>
+        </a:xfrm>
+      </p:grpSpPr>
+      <p:sp>
+        <p:nvSpPr>
+          <p:cNvPr id="2" name="Title 1">
+            <a:extLst>
+              <a:ext uri="{FF2B5EF4-FFF2-40B4-BE49-F238E27FC236}">
+                <a16:creationId xmlns:a16="http://schemas.microsoft.com/office/drawing/2014/main" id="{65F8C99B-A849-45EA-9974-A4FF81B40509}"/>
+              </a:ext>
+            </a:extLst>
+          </p:cNvPr>
+          <p:cNvSpPr>
+            <a:spLocks noGrp="1"/>
+          </p:cNvSpPr>
+          <p:nvPr>
+            <p:ph type="title"/>
+          </p:nvPr>
+        </p:nvSpPr>
+        <p:spPr>
+          <a:xfrm>
+            <a:off x="838200" y="2103437"/>
+            <a:ext cx="10515600" cy="1325563"/>
+          </a:xfrm>
+        </p:spPr>
+        <p:txBody>
+          <a:bodyPr>
+            <a:normAutofit/>
+          </a:bodyPr>
+          <a:lstStyle/>
+          <a:p>
+            <a:pPr algn="ctr"/>
+            <a:r>
+              <a:rPr lang="ru-RU" sz="6000" dirty="0" err="1"/>
+              <a:t>Дякую</a:t>
+            </a:r>
+            <a:r>
+              <a:rPr lang="ru-RU" sz="6000" dirty="0"/>
+              <a:t> за </a:t>
+            </a:r>
+            <a:r>
+              <a:rPr lang="ru-RU" sz="6000" dirty="0" err="1"/>
+              <a:t>увагу</a:t>
+            </a:r>
+            <a:endParaRPr lang="en-US" sz="6000" dirty="0"/>
+          </a:p>
+        </p:txBody>
+      </p:sp>
+    </p:spTree>
+    <p:extLst>
+      <p:ext uri="{BB962C8B-B14F-4D97-AF65-F5344CB8AC3E}">
+        <p14:creationId xmlns:p14="http://schemas.microsoft.com/office/powerpoint/2010/main" val="1912636434"/>
+      </p:ext>
+    </p:extLst>
+  </p:cSld>
+  <p:clrMapOvr>
+    <a:masterClrMapping/>
+  </p:clrMapOvr>
+</p:sld>
+</file>
+
+<file path=ppt/slides/slide13.xml><?xml version="1.0" encoding="utf-8"?>
+<p:sld xmlns:a="http://schemas.openxmlformats.org/drawingml/2006/main" xmlns:r="http://schemas.openxmlformats.org/officeDocument/2006/relationships" xmlns:p="http://schemas.openxmlformats.org/presentationml/2006/main">
+  <p:cSld>
+    <p:spTree>
+      <p:nvGrpSpPr>
+        <p:cNvPr id="1" name=""/>
+        <p:cNvGrpSpPr/>
+        <p:nvPr/>
+      </p:nvGrpSpPr>
+      <p:grpSpPr>
+        <a:xfrm>
+          <a:off x="0" y="0"/>
+          <a:ext cx="0" cy="0"/>
+          <a:chOff x="0" y="0"/>
+          <a:chExt cx="0" cy="0"/>
+        </a:xfrm>
+      </p:grpSpPr>
+      <p:pic>
+        <p:nvPicPr>
+          <p:cNvPr id="6" name="Picture 5" descr="A screenshot of a cell phone&#10;&#10;Description automatically generated">
+            <a:extLst>
+              <a:ext uri="{FF2B5EF4-FFF2-40B4-BE49-F238E27FC236}">
+                <a16:creationId xmlns:a16="http://schemas.microsoft.com/office/drawing/2014/main" id="{6D0B70C7-630C-4A6F-8842-D1F88336BB4C}"/>
+              </a:ext>
+            </a:extLst>
+          </p:cNvPr>
+          <p:cNvPicPr>
+            <a:picLocks noChangeAspect="1"/>
+          </p:cNvPicPr>
+          <p:nvPr/>
+        </p:nvPicPr>
+        <p:blipFill>
+          <a:blip r:embed="rId2">
+            <a:extLst>
+              <a:ext uri="{28A0092B-C50C-407E-A947-70E740481C1C}">
+                <a14:useLocalDpi xmlns:a14="http://schemas.microsoft.com/office/drawing/2010/main" val="0"/>
+              </a:ext>
+            </a:extLst>
+          </a:blip>
+          <a:stretch>
+            <a:fillRect/>
+          </a:stretch>
+        </p:blipFill>
+        <p:spPr>
+          <a:xfrm>
+            <a:off x="2346552" y="214013"/>
+            <a:ext cx="7498895" cy="6429974"/>
+          </a:xfrm>
+          <a:prstGeom prst="rect">
+            <a:avLst/>
+          </a:prstGeom>
+        </p:spPr>
+      </p:pic>
+    </p:spTree>
+    <p:extLst>
+      <p:ext uri="{BB962C8B-B14F-4D97-AF65-F5344CB8AC3E}">
+        <p14:creationId xmlns:p14="http://schemas.microsoft.com/office/powerpoint/2010/main" val="3677399352"/>
+      </p:ext>
+    </p:extLst>
+  </p:cSld>
+  <p:clrMapOvr>
+    <a:masterClrMapping/>
+  </p:clrMapOvr>
+</p:sld>
+</file>
+
+<file path=ppt/slides/slide14.xml><?xml version="1.0" encoding="utf-8"?>
+<p:sld xmlns:a="http://schemas.openxmlformats.org/drawingml/2006/main" xmlns:r="http://schemas.openxmlformats.org/officeDocument/2006/relationships" xmlns:p="http://schemas.openxmlformats.org/presentationml/2006/main">
+  <p:cSld>
+    <p:spTree>
+      <p:nvGrpSpPr>
+        <p:cNvPr id="1" name=""/>
+        <p:cNvGrpSpPr/>
+        <p:nvPr/>
+      </p:nvGrpSpPr>
+      <p:grpSpPr>
+        <a:xfrm>
+          <a:off x="0" y="0"/>
+          <a:ext cx="0" cy="0"/>
+          <a:chOff x="0" y="0"/>
+          <a:chExt cx="0" cy="0"/>
+        </a:xfrm>
+      </p:grpSpPr>
       <p:pic>
         <p:nvPicPr>
           <p:cNvPr id="5" name="Picture 4" descr="A screenshot of a cell phone&#10;&#10;Description automatically generated">
@@ -3571,7 +3915,7 @@
 </p:sld>
 </file>
 
-<file path=ppt/slides/slide11.xml><?xml version="1.0" encoding="utf-8"?>
+<file path=ppt/slides/slide15.xml><?xml version="1.0" encoding="utf-8"?>
 <p:sld xmlns:a="http://schemas.openxmlformats.org/drawingml/2006/main" xmlns:r="http://schemas.openxmlformats.org/officeDocument/2006/relationships" xmlns:p="http://schemas.openxmlformats.org/presentationml/2006/main">
   <p:cSld>
     <p:spTree>
@@ -3637,7 +3981,7 @@
 </p:sld>
 </file>
 
-<file path=ppt/slides/slide12.xml><?xml version="1.0" encoding="utf-8"?>
+<file path=ppt/slides/slide16.xml><?xml version="1.0" encoding="utf-8"?>
 <p:sld xmlns:a="http://schemas.openxmlformats.org/drawingml/2006/main" xmlns:r="http://schemas.openxmlformats.org/officeDocument/2006/relationships" xmlns:p="http://schemas.openxmlformats.org/presentationml/2006/main">
   <p:cSld>
     <p:spTree>
@@ -3703,308 +4047,6 @@
 </p:sld>
 </file>
 
-<file path=ppt/slides/slide13.xml><?xml version="1.0" encoding="utf-8"?>
-<p:sld xmlns:a="http://schemas.openxmlformats.org/drawingml/2006/main" xmlns:r="http://schemas.openxmlformats.org/officeDocument/2006/relationships" xmlns:p="http://schemas.openxmlformats.org/presentationml/2006/main">
-  <p:cSld>
-    <p:spTree>
-      <p:nvGrpSpPr>
-        <p:cNvPr id="1" name=""/>
-        <p:cNvGrpSpPr/>
-        <p:nvPr/>
-      </p:nvGrpSpPr>
-      <p:grpSpPr>
-        <a:xfrm>
-          <a:off x="0" y="0"/>
-          <a:ext cx="0" cy="0"/>
-          <a:chOff x="0" y="0"/>
-          <a:chExt cx="0" cy="0"/>
-        </a:xfrm>
-      </p:grpSpPr>
-      <p:pic>
-        <p:nvPicPr>
-          <p:cNvPr id="5" name="Picture 4" descr="A screenshot of a cell phone&#10;&#10;Description automatically generated">
-            <a:extLst>
-              <a:ext uri="{FF2B5EF4-FFF2-40B4-BE49-F238E27FC236}">
-                <a16:creationId xmlns:a16="http://schemas.microsoft.com/office/drawing/2014/main" id="{7C72B597-3740-4988-9B09-07272F1CE0B3}"/>
-              </a:ext>
-            </a:extLst>
-          </p:cNvPr>
-          <p:cNvPicPr>
-            <a:picLocks noChangeAspect="1"/>
-          </p:cNvPicPr>
-          <p:nvPr/>
-        </p:nvPicPr>
-        <p:blipFill rotWithShape="1">
-          <a:blip r:embed="rId2">
-            <a:extLst>
-              <a:ext uri="{28A0092B-C50C-407E-A947-70E740481C1C}">
-                <a14:useLocalDpi xmlns:a14="http://schemas.microsoft.com/office/drawing/2010/main" val="0"/>
-              </a:ext>
-            </a:extLst>
-          </a:blip>
-          <a:srcRect t="12512" b="1948"/>
-          <a:stretch/>
-        </p:blipFill>
-        <p:spPr>
-          <a:xfrm>
-            <a:off x="1744393" y="152433"/>
-            <a:ext cx="3064414" cy="6553133"/>
-          </a:xfrm>
-          <a:prstGeom prst="rect">
-            <a:avLst/>
-          </a:prstGeom>
-        </p:spPr>
-      </p:pic>
-      <p:pic>
-        <p:nvPicPr>
-          <p:cNvPr id="7" name="Picture 6" descr="A screenshot of a cell phone&#10;&#10;Description automatically generated">
-            <a:extLst>
-              <a:ext uri="{FF2B5EF4-FFF2-40B4-BE49-F238E27FC236}">
-                <a16:creationId xmlns:a16="http://schemas.microsoft.com/office/drawing/2014/main" id="{7DC5A6BE-FB5B-4D10-9310-3018AC7B0E8C}"/>
-              </a:ext>
-            </a:extLst>
-          </p:cNvPr>
-          <p:cNvPicPr>
-            <a:picLocks noChangeAspect="1"/>
-          </p:cNvPicPr>
-          <p:nvPr/>
-        </p:nvPicPr>
-        <p:blipFill rotWithShape="1">
-          <a:blip r:embed="rId3">
-            <a:extLst>
-              <a:ext uri="{28A0092B-C50C-407E-A947-70E740481C1C}">
-                <a14:useLocalDpi xmlns:a14="http://schemas.microsoft.com/office/drawing/2010/main" val="0"/>
-              </a:ext>
-            </a:extLst>
-          </a:blip>
-          <a:srcRect t="3077" b="45026"/>
-          <a:stretch/>
-        </p:blipFill>
-        <p:spPr>
-          <a:xfrm>
-            <a:off x="6876758" y="1406769"/>
-            <a:ext cx="3444239" cy="4468682"/>
-          </a:xfrm>
-          <a:prstGeom prst="rect">
-            <a:avLst/>
-          </a:prstGeom>
-        </p:spPr>
-      </p:pic>
-    </p:spTree>
-    <p:extLst>
-      <p:ext uri="{BB962C8B-B14F-4D97-AF65-F5344CB8AC3E}">
-        <p14:creationId xmlns:p14="http://schemas.microsoft.com/office/powerpoint/2010/main" val="3026471262"/>
-      </p:ext>
-    </p:extLst>
-  </p:cSld>
-  <p:clrMapOvr>
-    <a:masterClrMapping/>
-  </p:clrMapOvr>
-</p:sld>
-</file>
-
-<file path=ppt/slides/slide14.xml><?xml version="1.0" encoding="utf-8"?>
-<p:sld xmlns:a="http://schemas.openxmlformats.org/drawingml/2006/main" xmlns:r="http://schemas.openxmlformats.org/officeDocument/2006/relationships" xmlns:p="http://schemas.openxmlformats.org/presentationml/2006/main">
-  <p:cSld>
-    <p:spTree>
-      <p:nvGrpSpPr>
-        <p:cNvPr id="1" name=""/>
-        <p:cNvGrpSpPr/>
-        <p:nvPr/>
-      </p:nvGrpSpPr>
-      <p:grpSpPr>
-        <a:xfrm>
-          <a:off x="0" y="0"/>
-          <a:ext cx="0" cy="0"/>
-          <a:chOff x="0" y="0"/>
-          <a:chExt cx="0" cy="0"/>
-        </a:xfrm>
-      </p:grpSpPr>
-      <p:sp>
-        <p:nvSpPr>
-          <p:cNvPr id="2" name="Title 1">
-            <a:extLst>
-              <a:ext uri="{FF2B5EF4-FFF2-40B4-BE49-F238E27FC236}">
-                <a16:creationId xmlns:a16="http://schemas.microsoft.com/office/drawing/2014/main" id="{2CF4A9A1-6AC7-4C91-AB74-B16716B3949C}"/>
-              </a:ext>
-            </a:extLst>
-          </p:cNvPr>
-          <p:cNvSpPr>
-            <a:spLocks noGrp="1"/>
-          </p:cNvSpPr>
-          <p:nvPr>
-            <p:ph type="title"/>
-          </p:nvPr>
-        </p:nvSpPr>
-        <p:spPr/>
-        <p:txBody>
-          <a:bodyPr/>
-          <a:lstStyle/>
-          <a:p>
-            <a:r>
-              <a:rPr lang="ru-RU" dirty="0" err="1"/>
-              <a:t>Висновки</a:t>
-            </a:r>
-            <a:endParaRPr lang="en-US" dirty="0"/>
-          </a:p>
-        </p:txBody>
-      </p:sp>
-      <p:sp>
-        <p:nvSpPr>
-          <p:cNvPr id="5" name="Content Placeholder 4">
-            <a:extLst>
-              <a:ext uri="{FF2B5EF4-FFF2-40B4-BE49-F238E27FC236}">
-                <a16:creationId xmlns:a16="http://schemas.microsoft.com/office/drawing/2014/main" id="{0D453ADD-ED5F-4A30-8B5F-A94A10A0BBC7}"/>
-              </a:ext>
-            </a:extLst>
-          </p:cNvPr>
-          <p:cNvSpPr>
-            <a:spLocks noGrp="1"/>
-          </p:cNvSpPr>
-          <p:nvPr>
-            <p:ph idx="1"/>
-          </p:nvPr>
-        </p:nvSpPr>
-        <p:spPr/>
-        <p:txBody>
-          <a:bodyPr>
-            <a:normAutofit fontScale="92500" lnSpcReduction="10000"/>
-          </a:bodyPr>
-          <a:lstStyle/>
-          <a:p>
-            <a:pPr>
-              <a:lnSpc>
-                <a:spcPct val="150000"/>
-              </a:lnSpc>
-            </a:pPr>
-            <a:r>
-              <a:rPr lang="uk-UA" dirty="0"/>
-              <a:t>Розроблено макет програмно-апаратного комплексу, що </a:t>
-            </a:r>
-            <a:r>
-              <a:rPr lang="uk-UA" dirty="0" err="1"/>
-              <a:t>релаізує</a:t>
-            </a:r>
-            <a:r>
-              <a:rPr lang="uk-UA" dirty="0"/>
-              <a:t> запропоновану модель автоматизації ведення домашнього господарства та підтверджує можливість зменшення витрат часу на складання списку покупок шляхом створення </a:t>
-            </a:r>
-            <a:r>
-              <a:rPr lang="uk-UA" dirty="0" err="1"/>
-              <a:t>монітрингу</a:t>
-            </a:r>
-            <a:r>
-              <a:rPr lang="uk-UA" dirty="0"/>
-              <a:t> товарів у реальному часі</a:t>
-            </a:r>
-          </a:p>
-          <a:p>
-            <a:pPr>
-              <a:lnSpc>
-                <a:spcPct val="150000"/>
-              </a:lnSpc>
-            </a:pPr>
-            <a:r>
-              <a:rPr lang="uk-UA" dirty="0"/>
-              <a:t>Запропоновано альтернативний метод ідентифікації – радіочастотну ідентифікацію для використання у моніторингу товарів</a:t>
-            </a:r>
-          </a:p>
-          <a:p>
-            <a:pPr marL="0" indent="0">
-              <a:buNone/>
-            </a:pPr>
-            <a:endParaRPr lang="en-US" dirty="0"/>
-          </a:p>
-        </p:txBody>
-      </p:sp>
-    </p:spTree>
-    <p:extLst>
-      <p:ext uri="{BB962C8B-B14F-4D97-AF65-F5344CB8AC3E}">
-        <p14:creationId xmlns:p14="http://schemas.microsoft.com/office/powerpoint/2010/main" val="637916248"/>
-      </p:ext>
-    </p:extLst>
-  </p:cSld>
-  <p:clrMapOvr>
-    <a:masterClrMapping/>
-  </p:clrMapOvr>
-</p:sld>
-</file>
-
-<file path=ppt/slides/slide15.xml><?xml version="1.0" encoding="utf-8"?>
-<p:sld xmlns:a="http://schemas.openxmlformats.org/drawingml/2006/main" xmlns:r="http://schemas.openxmlformats.org/officeDocument/2006/relationships" xmlns:p="http://schemas.openxmlformats.org/presentationml/2006/main">
-  <p:cSld>
-    <p:spTree>
-      <p:nvGrpSpPr>
-        <p:cNvPr id="1" name=""/>
-        <p:cNvGrpSpPr/>
-        <p:nvPr/>
-      </p:nvGrpSpPr>
-      <p:grpSpPr>
-        <a:xfrm>
-          <a:off x="0" y="0"/>
-          <a:ext cx="0" cy="0"/>
-          <a:chOff x="0" y="0"/>
-          <a:chExt cx="0" cy="0"/>
-        </a:xfrm>
-      </p:grpSpPr>
-      <p:sp>
-        <p:nvSpPr>
-          <p:cNvPr id="2" name="Title 1">
-            <a:extLst>
-              <a:ext uri="{FF2B5EF4-FFF2-40B4-BE49-F238E27FC236}">
-                <a16:creationId xmlns:a16="http://schemas.microsoft.com/office/drawing/2014/main" id="{65F8C99B-A849-45EA-9974-A4FF81B40509}"/>
-              </a:ext>
-            </a:extLst>
-          </p:cNvPr>
-          <p:cNvSpPr>
-            <a:spLocks noGrp="1"/>
-          </p:cNvSpPr>
-          <p:nvPr>
-            <p:ph type="title"/>
-          </p:nvPr>
-        </p:nvSpPr>
-        <p:spPr>
-          <a:xfrm>
-            <a:off x="838200" y="2103437"/>
-            <a:ext cx="10515600" cy="1325563"/>
-          </a:xfrm>
-        </p:spPr>
-        <p:txBody>
-          <a:bodyPr>
-            <a:normAutofit/>
-          </a:bodyPr>
-          <a:lstStyle/>
-          <a:p>
-            <a:pPr algn="ctr"/>
-            <a:r>
-              <a:rPr lang="ru-RU" sz="6000" dirty="0" err="1"/>
-              <a:t>Дякую</a:t>
-            </a:r>
-            <a:r>
-              <a:rPr lang="ru-RU" sz="6000" dirty="0"/>
-              <a:t> за </a:t>
-            </a:r>
-            <a:r>
-              <a:rPr lang="ru-RU" sz="6000" dirty="0" err="1"/>
-              <a:t>увагу</a:t>
-            </a:r>
-            <a:endParaRPr lang="en-US" sz="6000" dirty="0"/>
-          </a:p>
-        </p:txBody>
-      </p:sp>
-    </p:spTree>
-    <p:extLst>
-      <p:ext uri="{BB962C8B-B14F-4D97-AF65-F5344CB8AC3E}">
-        <p14:creationId xmlns:p14="http://schemas.microsoft.com/office/powerpoint/2010/main" val="1912636434"/>
-      </p:ext>
-    </p:extLst>
-  </p:cSld>
-  <p:clrMapOvr>
-    <a:masterClrMapping/>
-  </p:clrMapOvr>
-</p:sld>
-</file>
-
 <file path=ppt/slides/slide2.xml><?xml version="1.0" encoding="utf-8"?>
 <p:sld xmlns:a="http://schemas.openxmlformats.org/drawingml/2006/main" xmlns:r="http://schemas.openxmlformats.org/officeDocument/2006/relationships" xmlns:p="http://schemas.openxmlformats.org/presentationml/2006/main">
   <p:cSld>
@@ -4088,7 +4130,15 @@
             </a:r>
             <a:r>
               <a:rPr lang="uk-UA" dirty="0"/>
-              <a:t> витрат часу на створення списку покупок шляхом створення системи постійного моніторингу наявних товарів у помешканні людини.</a:t>
+              <a:t> витрат часу на створення списку покупок шляхом </a:t>
+            </a:r>
+            <a:r>
+              <a:rPr lang="ru-RU" dirty="0" err="1"/>
+              <a:t>впровадження</a:t>
+            </a:r>
+            <a:r>
+              <a:rPr lang="uk-UA" dirty="0"/>
+              <a:t> системи постійного моніторингу наявних товарів у помешканні людини.</a:t>
             </a:r>
             <a:endParaRPr lang="en-US" dirty="0"/>
           </a:p>
@@ -4182,6 +4232,9 @@
           <a:bodyPr/>
           <a:lstStyle/>
           <a:p>
+            <a:pPr marL="0" indent="0">
+              <a:buNone/>
+            </a:pPr>
             <a:r>
               <a:rPr lang="ru-RU" dirty="0"/>
               <a:t>Людина не </a:t>
@@ -4352,7 +4405,7 @@
             </a:pPr>
             <a:r>
               <a:rPr lang="uk-UA" dirty="0"/>
-              <a:t>Розробити програмно-апаратний комплекс автоматизації, що має:</a:t>
+              <a:t>Розробити програмно-апаратний комплекс, що має:</a:t>
             </a:r>
           </a:p>
           <a:p>
@@ -5013,21 +5066,19 @@
       </p:grpSpPr>
       <p:pic>
         <p:nvPicPr>
-          <p:cNvPr id="5" name="Content Placeholder 4" descr="A screenshot of a social media post&#10;&#10;Description automatically generated">
-            <a:extLst>
-              <a:ext uri="{FF2B5EF4-FFF2-40B4-BE49-F238E27FC236}">
-                <a16:creationId xmlns:a16="http://schemas.microsoft.com/office/drawing/2014/main" id="{7119FF77-D20E-465E-801A-86CEA82B78C2}"/>
+          <p:cNvPr id="5" name="Picture 4" descr="A screenshot of a cell phone&#10;&#10;Description automatically generated">
+            <a:extLst>
+              <a:ext uri="{FF2B5EF4-FFF2-40B4-BE49-F238E27FC236}">
+                <a16:creationId xmlns:a16="http://schemas.microsoft.com/office/drawing/2014/main" id="{7C72B597-3740-4988-9B09-07272F1CE0B3}"/>
               </a:ext>
             </a:extLst>
           </p:cNvPr>
           <p:cNvPicPr>
-            <a:picLocks noGrp="1" noChangeAspect="1"/>
+            <a:picLocks noChangeAspect="1"/>
           </p:cNvPicPr>
-          <p:nvPr>
-            <p:ph idx="1"/>
-          </p:nvPr>
+          <p:nvPr/>
         </p:nvPicPr>
-        <p:blipFill>
+        <p:blipFill rotWithShape="1">
           <a:blip r:embed="rId2">
             <a:extLst>
               <a:ext uri="{28A0092B-C50C-407E-A947-70E740481C1C}">
@@ -5035,21 +5086,58 @@
               </a:ext>
             </a:extLst>
           </a:blip>
-          <a:stretch>
-            <a:fillRect/>
-          </a:stretch>
+          <a:srcRect t="12512" b="1948"/>
+          <a:stretch/>
         </p:blipFill>
         <p:spPr>
           <a:xfrm>
-            <a:off x="2219617" y="104942"/>
-            <a:ext cx="7752766" cy="6345730"/>
+            <a:off x="1744393" y="152433"/>
+            <a:ext cx="3064414" cy="6553133"/>
           </a:xfrm>
+          <a:prstGeom prst="rect">
+            <a:avLst/>
+          </a:prstGeom>
+        </p:spPr>
+      </p:pic>
+      <p:pic>
+        <p:nvPicPr>
+          <p:cNvPr id="7" name="Picture 6" descr="A screenshot of a cell phone&#10;&#10;Description automatically generated">
+            <a:extLst>
+              <a:ext uri="{FF2B5EF4-FFF2-40B4-BE49-F238E27FC236}">
+                <a16:creationId xmlns:a16="http://schemas.microsoft.com/office/drawing/2014/main" id="{7DC5A6BE-FB5B-4D10-9310-3018AC7B0E8C}"/>
+              </a:ext>
+            </a:extLst>
+          </p:cNvPr>
+          <p:cNvPicPr>
+            <a:picLocks noChangeAspect="1"/>
+          </p:cNvPicPr>
+          <p:nvPr/>
+        </p:nvPicPr>
+        <p:blipFill rotWithShape="1">
+          <a:blip r:embed="rId3">
+            <a:extLst>
+              <a:ext uri="{28A0092B-C50C-407E-A947-70E740481C1C}">
+                <a14:useLocalDpi xmlns:a14="http://schemas.microsoft.com/office/drawing/2010/main" val="0"/>
+              </a:ext>
+            </a:extLst>
+          </a:blip>
+          <a:srcRect t="3077" b="45026"/>
+          <a:stretch/>
+        </p:blipFill>
+        <p:spPr>
+          <a:xfrm>
+            <a:off x="6876758" y="1406769"/>
+            <a:ext cx="3444239" cy="4468682"/>
+          </a:xfrm>
+          <a:prstGeom prst="rect">
+            <a:avLst/>
+          </a:prstGeom>
         </p:spPr>
       </p:pic>
     </p:spTree>
     <p:extLst>
       <p:ext uri="{BB962C8B-B14F-4D97-AF65-F5344CB8AC3E}">
-        <p14:creationId xmlns:p14="http://schemas.microsoft.com/office/powerpoint/2010/main" val="305755833"/>
+        <p14:creationId xmlns:p14="http://schemas.microsoft.com/office/powerpoint/2010/main" val="3026471262"/>
       </p:ext>
     </p:extLst>
   </p:cSld>
@@ -5078,17 +5166,19 @@
       </p:grpSpPr>
       <p:pic>
         <p:nvPicPr>
-          <p:cNvPr id="6" name="Picture 5" descr="A screenshot of a cell phone&#10;&#10;Description automatically generated">
-            <a:extLst>
-              <a:ext uri="{FF2B5EF4-FFF2-40B4-BE49-F238E27FC236}">
-                <a16:creationId xmlns:a16="http://schemas.microsoft.com/office/drawing/2014/main" id="{6D0B70C7-630C-4A6F-8842-D1F88336BB4C}"/>
+          <p:cNvPr id="5" name="Content Placeholder 4" descr="A screenshot of a social media post&#10;&#10;Description automatically generated">
+            <a:extLst>
+              <a:ext uri="{FF2B5EF4-FFF2-40B4-BE49-F238E27FC236}">
+                <a16:creationId xmlns:a16="http://schemas.microsoft.com/office/drawing/2014/main" id="{7119FF77-D20E-465E-801A-86CEA82B78C2}"/>
               </a:ext>
             </a:extLst>
           </p:cNvPr>
           <p:cNvPicPr>
-            <a:picLocks noChangeAspect="1"/>
+            <a:picLocks noGrp="1" noChangeAspect="1"/>
           </p:cNvPicPr>
-          <p:nvPr/>
+          <p:nvPr>
+            <p:ph idx="1"/>
+          </p:nvPr>
         </p:nvPicPr>
         <p:blipFill>
           <a:blip r:embed="rId2">
@@ -5104,18 +5194,15 @@
         </p:blipFill>
         <p:spPr>
           <a:xfrm>
-            <a:off x="2346552" y="214013"/>
-            <a:ext cx="7498895" cy="6429974"/>
+            <a:off x="2219617" y="104942"/>
+            <a:ext cx="7752766" cy="6345730"/>
           </a:xfrm>
-          <a:prstGeom prst="rect">
-            <a:avLst/>
-          </a:prstGeom>
         </p:spPr>
       </p:pic>
     </p:spTree>
     <p:extLst>
       <p:ext uri="{BB962C8B-B14F-4D97-AF65-F5344CB8AC3E}">
-        <p14:creationId xmlns:p14="http://schemas.microsoft.com/office/powerpoint/2010/main" val="3677399352"/>
+        <p14:creationId xmlns:p14="http://schemas.microsoft.com/office/powerpoint/2010/main" val="305755833"/>
       </p:ext>
     </p:extLst>
   </p:cSld>
